--- a/output/notWellKnown/Praise-Overflows.pptx
+++ b/output/notWellKnown/Praise-Overflows.pptx
@@ -820,7 +820,7 @@
           <a:lstStyle/>
           <a:p>
             <a:r>
-              <a:t>(Repeat Chorus)</a:t>
+              <a:t>Bridge</a:t>
             </a:r>
             <a:br/>
             <a:r>
@@ -898,7 +898,7 @@
           <a:lstStyle/>
           <a:p>
             <a:r>
-              <a:t>(Repeat Chorus)</a:t>
+              <a:t>Verse 3</a:t>
             </a:r>
             <a:br/>
             <a:r>
@@ -4417,14 +4417,9 @@
           <a:lstStyle/>
           <a:p/>
           <a:p>
-            <a:br/>
             <a:pPr>
               <a:defRPr sz="2500"/>
             </a:pPr>
-            <a:r>
-              <a:t>Bridge</a:t>
-            </a:r>
-            <a:br/>
             <a:r>
               <a:t>To my God who reigns</a:t>
             </a:r>
@@ -4475,7 +4470,7 @@
               <a:defRPr sz="1200"/>
             </a:pPr>
             <a:r>
-              <a:t>(Repeat Chorus)</a:t>
+              <a:t>Bridge</a:t>
             </a:r>
             <a:br/>
             <a:r>
@@ -4529,14 +4524,9 @@
           <a:lstStyle/>
           <a:p/>
           <a:p>
-            <a:br/>
             <a:pPr>
               <a:defRPr sz="2500"/>
             </a:pPr>
-            <a:r>
-              <a:t>Verse 3</a:t>
-            </a:r>
-            <a:br/>
             <a:r>
               <a:t>When I've run this race</a:t>
             </a:r>
@@ -4583,7 +4573,7 @@
               <a:defRPr sz="1200"/>
             </a:pPr>
             <a:r>
-              <a:t>(Repeat Chorus)</a:t>
+              <a:t>Verse 3</a:t>
             </a:r>
             <a:br/>
             <a:r>
